--- a/MSDS6306 CaseStudy1.pptx
+++ b/MSDS6306 CaseStudy1.pptx
@@ -5,7 +5,7 @@
     <p:sldMasterId id="2147483672" r:id="rId1"/>
   </p:sldMasterIdLst>
   <p:notesMasterIdLst>
-    <p:notesMasterId r:id="rId10"/>
+    <p:notesMasterId r:id="rId18"/>
   </p:notesMasterIdLst>
   <p:sldIdLst>
     <p:sldId id="256" r:id="rId2"/>
@@ -16,6 +16,14 @@
     <p:sldId id="261" r:id="rId7"/>
     <p:sldId id="262" r:id="rId8"/>
     <p:sldId id="263" r:id="rId9"/>
+    <p:sldId id="264" r:id="rId10"/>
+    <p:sldId id="265" r:id="rId11"/>
+    <p:sldId id="269" r:id="rId12"/>
+    <p:sldId id="266" r:id="rId13"/>
+    <p:sldId id="267" r:id="rId14"/>
+    <p:sldId id="268" r:id="rId15"/>
+    <p:sldId id="270" r:id="rId16"/>
+    <p:sldId id="271" r:id="rId17"/>
   </p:sldIdLst>
   <p:sldSz cx="9144000" cy="6858000" type="screen4x3"/>
   <p:notesSz cx="6858000" cy="9144000"/>
@@ -114,6 +122,22 @@
       </a:defRPr>
     </a:lvl9pPr>
   </p:defaultTextStyle>
+  <p:extLst>
+    <p:ext uri="{EFAFB233-063F-42B5-8137-9DF3F51BA10A}">
+      <p15:sldGuideLst xmlns:p15="http://schemas.microsoft.com/office/powerpoint/2012/main">
+        <p15:guide id="1" orient="horz" pos="2160">
+          <p15:clr>
+            <a:srgbClr val="A4A3A4"/>
+          </p15:clr>
+        </p15:guide>
+        <p15:guide id="2" pos="2880">
+          <p15:clr>
+            <a:srgbClr val="A4A3A4"/>
+          </p15:clr>
+        </p15:guide>
+      </p15:sldGuideLst>
+    </p:ext>
+  </p:extLst>
 </p:presentation>
 </file>
 
@@ -199,7 +223,7 @@
           <a:p>
             <a:fld id="{BEE42858-6AE9-4C00-8C12-8DA6558F001B}" type="datetimeFigureOut">
               <a:rPr lang="en-US" smtClean="0"/>
-              <a:t>2/24/2019</a:t>
+              <a:t>2/24/19</a:t>
             </a:fld>
             <a:endParaRPr lang="en-US"/>
           </a:p>
@@ -957,7 +981,7 @@
           <a:p>
             <a:fld id="{086A6E24-93A8-4C49-AE55-25DDC1E992FE}" type="datetimeFigureOut">
               <a:rPr lang="en-US" smtClean="0"/>
-              <a:t>2/24/2019</a:t>
+              <a:t>2/24/19</a:t>
             </a:fld>
             <a:endParaRPr lang="en-US" dirty="0"/>
           </a:p>
@@ -1350,7 +1374,7 @@
           <a:p>
             <a:fld id="{086A6E24-93A8-4C49-AE55-25DDC1E992FE}" type="datetimeFigureOut">
               <a:rPr lang="en-US" smtClean="0"/>
-              <a:t>2/24/2019</a:t>
+              <a:t>2/24/19</a:t>
             </a:fld>
             <a:endParaRPr lang="en-US" dirty="0"/>
           </a:p>
@@ -1882,7 +1906,7 @@
           <a:p>
             <a:fld id="{086A6E24-93A8-4C49-AE55-25DDC1E992FE}" type="datetimeFigureOut">
               <a:rPr lang="en-US" smtClean="0"/>
-              <a:t>2/24/2019</a:t>
+              <a:t>2/24/19</a:t>
             </a:fld>
             <a:endParaRPr lang="en-US" dirty="0"/>
           </a:p>
@@ -2015,7 +2039,7 @@
           <a:p>
             <a:fld id="{086A6E24-93A8-4C49-AE55-25DDC1E992FE}" type="datetimeFigureOut">
               <a:rPr lang="en-US" smtClean="0"/>
-              <a:t>2/24/2019</a:t>
+              <a:t>2/24/19</a:t>
             </a:fld>
             <a:endParaRPr lang="en-US" dirty="0"/>
           </a:p>
@@ -2558,7 +2582,7 @@
           <a:p>
             <a:fld id="{086A6E24-93A8-4C49-AE55-25DDC1E992FE}" type="datetimeFigureOut">
               <a:rPr lang="en-US" smtClean="0"/>
-              <a:t>2/24/2019</a:t>
+              <a:t>2/24/19</a:t>
             </a:fld>
             <a:endParaRPr lang="en-US" dirty="0"/>
           </a:p>
@@ -2853,7 +2877,7 @@
           <a:p>
             <a:fld id="{086A6E24-93A8-4C49-AE55-25DDC1E992FE}" type="datetimeFigureOut">
               <a:rPr lang="en-US" smtClean="0"/>
-              <a:t>2/24/2019</a:t>
+              <a:t>2/24/19</a:t>
             </a:fld>
             <a:endParaRPr lang="en-US" dirty="0"/>
           </a:p>
@@ -3512,7 +3536,7 @@
           <a:p>
             <a:fld id="{086A6E24-93A8-4C49-AE55-25DDC1E992FE}" type="datetimeFigureOut">
               <a:rPr lang="en-US" smtClean="0"/>
-              <a:t>2/24/2019</a:t>
+              <a:t>2/24/19</a:t>
             </a:fld>
             <a:endParaRPr lang="en-US" dirty="0"/>
           </a:p>
@@ -3948,7 +3972,7 @@
           <a:p>
             <a:fld id="{086A6E24-93A8-4C49-AE55-25DDC1E992FE}" type="datetimeFigureOut">
               <a:rPr lang="en-US" smtClean="0"/>
-              <a:t>2/24/2019</a:t>
+              <a:t>2/24/19</a:t>
             </a:fld>
             <a:endParaRPr lang="en-US" dirty="0"/>
           </a:p>
@@ -4261,7 +4285,7 @@
           <a:p>
             <a:fld id="{086A6E24-93A8-4C49-AE55-25DDC1E992FE}" type="datetimeFigureOut">
               <a:rPr lang="en-US" smtClean="0"/>
-              <a:t>2/24/2019</a:t>
+              <a:t>2/24/19</a:t>
             </a:fld>
             <a:endParaRPr lang="en-US" dirty="0"/>
           </a:p>
@@ -4993,7 +5017,7 @@
           <a:p>
             <a:fld id="{086A6E24-93A8-4C49-AE55-25DDC1E992FE}" type="datetimeFigureOut">
               <a:rPr lang="en-US" smtClean="0"/>
-              <a:t>2/24/2019</a:t>
+              <a:t>2/24/19</a:t>
             </a:fld>
             <a:endParaRPr lang="en-US" dirty="0"/>
           </a:p>
@@ -5657,7 +5681,7 @@
           <a:p>
             <a:fld id="{086A6E24-93A8-4C49-AE55-25DDC1E992FE}" type="datetimeFigureOut">
               <a:rPr lang="en-US" smtClean="0"/>
-              <a:t>2/24/2019</a:t>
+              <a:t>2/24/19</a:t>
             </a:fld>
             <a:endParaRPr lang="en-US" dirty="0"/>
           </a:p>
@@ -5930,7 +5954,7 @@
           <a:p>
             <a:fld id="{086A6E24-93A8-4C49-AE55-25DDC1E992FE}" type="datetimeFigureOut">
               <a:rPr lang="en-US" smtClean="0"/>
-              <a:t>2/24/2019</a:t>
+              <a:t>2/24/19</a:t>
             </a:fld>
             <a:endParaRPr lang="en-US" dirty="0"/>
           </a:p>
@@ -6745,6 +6769,1274 @@
 </p:sld>
 </file>
 
+<file path=ppt/slides/slide10.xml><?xml version="1.0" encoding="utf-8"?>
+<p:sld xmlns:a="http://schemas.openxmlformats.org/drawingml/2006/main" xmlns:r="http://schemas.openxmlformats.org/officeDocument/2006/relationships" xmlns:p="http://schemas.openxmlformats.org/presentationml/2006/main">
+  <p:cSld>
+    <p:spTree>
+      <p:nvGrpSpPr>
+        <p:cNvPr id="1" name=""/>
+        <p:cNvGrpSpPr/>
+        <p:nvPr/>
+      </p:nvGrpSpPr>
+      <p:grpSpPr>
+        <a:xfrm>
+          <a:off x="0" y="0"/>
+          <a:ext cx="0" cy="0"/>
+          <a:chOff x="0" y="0"/>
+          <a:chExt cx="0" cy="0"/>
+        </a:xfrm>
+      </p:grpSpPr>
+      <p:sp>
+        <p:nvSpPr>
+          <p:cNvPr id="2" name="Title 1"/>
+          <p:cNvSpPr>
+            <a:spLocks noGrp="1"/>
+          </p:cNvSpPr>
+          <p:nvPr>
+            <p:ph type="title"/>
+          </p:nvPr>
+        </p:nvSpPr>
+        <p:spPr/>
+        <p:txBody>
+          <a:bodyPr/>
+          <a:lstStyle/>
+          <a:p>
+            <a:r>
+              <a:rPr lang="en-US" dirty="0" smtClean="0"/>
+              <a:t>Median IBU by State</a:t>
+            </a:r>
+            <a:endParaRPr lang="en-US" dirty="0"/>
+          </a:p>
+        </p:txBody>
+      </p:sp>
+      <p:pic>
+        <p:nvPicPr>
+          <p:cNvPr id="4" name="Content Placeholder 3"/>
+          <p:cNvPicPr>
+            <a:picLocks noGrp="1" noChangeAspect="1"/>
+          </p:cNvPicPr>
+          <p:nvPr>
+            <p:ph sz="quarter" idx="1"/>
+          </p:nvPr>
+        </p:nvPicPr>
+        <p:blipFill rotWithShape="1">
+          <a:blip r:embed="rId2">
+            <a:extLst>
+              <a:ext uri="{28A0092B-C50C-407E-A947-70E740481C1C}">
+                <a14:useLocalDpi xmlns:a14="http://schemas.microsoft.com/office/drawing/2010/main" val="0"/>
+              </a:ext>
+            </a:extLst>
+          </a:blip>
+          <a:srcRect/>
+          <a:stretch/>
+        </p:blipFill>
+        <p:spPr>
+          <a:xfrm>
+            <a:off x="152400" y="1676400"/>
+            <a:ext cx="6424083" cy="4724400"/>
+          </a:xfrm>
+        </p:spPr>
+      </p:pic>
+      <p:pic>
+        <p:nvPicPr>
+          <p:cNvPr id="5" name="Picture 4"/>
+          <p:cNvPicPr>
+            <a:picLocks noChangeAspect="1"/>
+          </p:cNvPicPr>
+          <p:nvPr/>
+        </p:nvPicPr>
+        <p:blipFill rotWithShape="1">
+          <a:blip r:embed="rId3">
+            <a:extLst>
+              <a:ext uri="{28A0092B-C50C-407E-A947-70E740481C1C}">
+                <a14:useLocalDpi xmlns:a14="http://schemas.microsoft.com/office/drawing/2010/main" val="0"/>
+              </a:ext>
+            </a:extLst>
+          </a:blip>
+          <a:srcRect t="13953"/>
+          <a:stretch/>
+        </p:blipFill>
+        <p:spPr>
+          <a:xfrm>
+            <a:off x="7010400" y="3352800"/>
+            <a:ext cx="1623541" cy="546100"/>
+          </a:xfrm>
+          <a:prstGeom prst="rect">
+            <a:avLst/>
+          </a:prstGeom>
+          <a:ln w="15875">
+            <a:solidFill>
+              <a:schemeClr val="tx1"/>
+            </a:solidFill>
+          </a:ln>
+        </p:spPr>
+      </p:pic>
+    </p:spTree>
+    <p:extLst>
+      <p:ext uri="{BB962C8B-B14F-4D97-AF65-F5344CB8AC3E}">
+        <p14:creationId xmlns:p14="http://schemas.microsoft.com/office/powerpoint/2010/main" val="1672303654"/>
+      </p:ext>
+    </p:extLst>
+  </p:cSld>
+  <p:clrMapOvr>
+    <a:masterClrMapping/>
+  </p:clrMapOvr>
+</p:sld>
+</file>
+
+<file path=ppt/slides/slide11.xml><?xml version="1.0" encoding="utf-8"?>
+<p:sld xmlns:a="http://schemas.openxmlformats.org/drawingml/2006/main" xmlns:r="http://schemas.openxmlformats.org/officeDocument/2006/relationships" xmlns:p="http://schemas.openxmlformats.org/presentationml/2006/main">
+  <p:cSld>
+    <p:spTree>
+      <p:nvGrpSpPr>
+        <p:cNvPr id="1" name=""/>
+        <p:cNvGrpSpPr/>
+        <p:nvPr/>
+      </p:nvGrpSpPr>
+      <p:grpSpPr>
+        <a:xfrm>
+          <a:off x="0" y="0"/>
+          <a:ext cx="0" cy="0"/>
+          <a:chOff x="0" y="0"/>
+          <a:chExt cx="0" cy="0"/>
+        </a:xfrm>
+      </p:grpSpPr>
+      <p:sp>
+        <p:nvSpPr>
+          <p:cNvPr id="2" name="Title 1"/>
+          <p:cNvSpPr>
+            <a:spLocks noGrp="1"/>
+          </p:cNvSpPr>
+          <p:nvPr>
+            <p:ph type="title"/>
+          </p:nvPr>
+        </p:nvSpPr>
+        <p:spPr/>
+        <p:txBody>
+          <a:bodyPr/>
+          <a:lstStyle/>
+          <a:p>
+            <a:r>
+              <a:rPr lang="en-US" dirty="0" smtClean="0"/>
+              <a:t>Median IBU and ABV by State</a:t>
+            </a:r>
+            <a:endParaRPr lang="en-US" dirty="0"/>
+          </a:p>
+        </p:txBody>
+      </p:sp>
+      <p:pic>
+        <p:nvPicPr>
+          <p:cNvPr id="4" name="Content Placeholder 3"/>
+          <p:cNvPicPr>
+            <a:picLocks noGrp="1" noChangeAspect="1"/>
+          </p:cNvPicPr>
+          <p:nvPr>
+            <p:ph sz="quarter" idx="1"/>
+          </p:nvPr>
+        </p:nvPicPr>
+        <p:blipFill>
+          <a:blip r:embed="rId2">
+            <a:extLst>
+              <a:ext uri="{28A0092B-C50C-407E-A947-70E740481C1C}">
+                <a14:useLocalDpi xmlns:a14="http://schemas.microsoft.com/office/drawing/2010/main" val="0"/>
+              </a:ext>
+            </a:extLst>
+          </a:blip>
+          <a:stretch>
+            <a:fillRect/>
+          </a:stretch>
+        </p:blipFill>
+        <p:spPr>
+          <a:xfrm>
+            <a:off x="1600200" y="2895600"/>
+            <a:ext cx="5812592" cy="3449231"/>
+          </a:xfrm>
+          <a:ln w="15875">
+            <a:solidFill>
+              <a:schemeClr val="tx1"/>
+            </a:solidFill>
+          </a:ln>
+        </p:spPr>
+      </p:pic>
+      <p:sp>
+        <p:nvSpPr>
+          <p:cNvPr id="6" name="TextBox 5"/>
+          <p:cNvSpPr txBox="1"/>
+          <p:nvPr/>
+        </p:nvSpPr>
+        <p:spPr>
+          <a:xfrm>
+            <a:off x="304721" y="1667470"/>
+            <a:ext cx="8534400" cy="923330"/>
+          </a:xfrm>
+          <a:prstGeom prst="rect">
+            <a:avLst/>
+          </a:prstGeom>
+          <a:solidFill>
+            <a:schemeClr val="bg1"/>
+          </a:solidFill>
+          <a:ln w="15875">
+            <a:solidFill>
+              <a:schemeClr val="tx1"/>
+            </a:solidFill>
+          </a:ln>
+        </p:spPr>
+        <p:txBody>
+          <a:bodyPr wrap="square" rtlCol="0">
+            <a:spAutoFit/>
+          </a:bodyPr>
+          <a:lstStyle/>
+          <a:p>
+            <a:pPr marL="285750" indent="-285750">
+              <a:buFont typeface="Arial" charset="0"/>
+              <a:buChar char="•"/>
+            </a:pPr>
+            <a:r>
+              <a:rPr lang="en-US" dirty="0" smtClean="0"/>
+              <a:t>This view compares median IBU and ABV levels by state</a:t>
+            </a:r>
+          </a:p>
+          <a:p>
+            <a:pPr marL="285750" indent="-285750">
+              <a:buFont typeface="Arial" charset="0"/>
+              <a:buChar char="•"/>
+            </a:pPr>
+            <a:r>
+              <a:rPr lang="en-US" dirty="0" smtClean="0"/>
+              <a:t>Differing variability in IBU</a:t>
+            </a:r>
+          </a:p>
+          <a:p>
+            <a:pPr marL="285750" indent="-285750">
+              <a:buFont typeface="Arial" charset="0"/>
+              <a:buChar char="•"/>
+            </a:pPr>
+            <a:r>
+              <a:rPr lang="en-US" dirty="0" smtClean="0"/>
+              <a:t>Greater concentration of lower IBU levels</a:t>
+            </a:r>
+            <a:endParaRPr lang="en-US" dirty="0"/>
+          </a:p>
+        </p:txBody>
+      </p:sp>
+    </p:spTree>
+    <p:extLst>
+      <p:ext uri="{BB962C8B-B14F-4D97-AF65-F5344CB8AC3E}">
+        <p14:creationId xmlns:p14="http://schemas.microsoft.com/office/powerpoint/2010/main" val="1828374239"/>
+      </p:ext>
+    </p:extLst>
+  </p:cSld>
+  <p:clrMapOvr>
+    <a:masterClrMapping/>
+  </p:clrMapOvr>
+</p:sld>
+</file>
+
+<file path=ppt/slides/slide12.xml><?xml version="1.0" encoding="utf-8"?>
+<p:sld xmlns:a="http://schemas.openxmlformats.org/drawingml/2006/main" xmlns:r="http://schemas.openxmlformats.org/officeDocument/2006/relationships" xmlns:p="http://schemas.openxmlformats.org/presentationml/2006/main">
+  <p:cSld>
+    <p:spTree>
+      <p:nvGrpSpPr>
+        <p:cNvPr id="1" name=""/>
+        <p:cNvGrpSpPr/>
+        <p:nvPr/>
+      </p:nvGrpSpPr>
+      <p:grpSpPr>
+        <a:xfrm>
+          <a:off x="0" y="0"/>
+          <a:ext cx="0" cy="0"/>
+          <a:chOff x="0" y="0"/>
+          <a:chExt cx="0" cy="0"/>
+        </a:xfrm>
+      </p:grpSpPr>
+      <p:sp>
+        <p:nvSpPr>
+          <p:cNvPr id="2" name="Title 1"/>
+          <p:cNvSpPr>
+            <a:spLocks noGrp="1"/>
+          </p:cNvSpPr>
+          <p:nvPr>
+            <p:ph type="title"/>
+          </p:nvPr>
+        </p:nvSpPr>
+        <p:spPr/>
+        <p:txBody>
+          <a:bodyPr/>
+          <a:lstStyle/>
+          <a:p>
+            <a:r>
+              <a:rPr lang="en-US" dirty="0" smtClean="0"/>
+              <a:t>ABV</a:t>
+            </a:r>
+            <a:endParaRPr lang="en-US" dirty="0"/>
+          </a:p>
+        </p:txBody>
+      </p:sp>
+      <p:graphicFrame>
+        <p:nvGraphicFramePr>
+          <p:cNvPr id="4" name="Content Placeholder 3"/>
+          <p:cNvGraphicFramePr>
+            <a:graphicFrameLocks noGrp="1"/>
+          </p:cNvGraphicFramePr>
+          <p:nvPr>
+            <p:ph sz="quarter" idx="1"/>
+            <p:extLst>
+              <p:ext uri="{D42A27DB-BD31-4B8C-83A1-F6EECF244321}">
+                <p14:modId xmlns:p14="http://schemas.microsoft.com/office/powerpoint/2010/main" val="500342139"/>
+              </p:ext>
+            </p:extLst>
+          </p:nvPr>
+        </p:nvGraphicFramePr>
+        <p:xfrm>
+          <a:off x="316833" y="1828800"/>
+          <a:ext cx="8504238" cy="741680"/>
+        </p:xfrm>
+        <a:graphic>
+          <a:graphicData uri="http://schemas.openxmlformats.org/drawingml/2006/table">
+            <a:tbl>
+              <a:tblPr firstRow="1" bandRow="1">
+                <a:tableStyleId>{5C22544A-7EE6-4342-B048-85BDC9FD1C3A}</a:tableStyleId>
+              </a:tblPr>
+              <a:tblGrid>
+                <a:gridCol w="1417373"/>
+                <a:gridCol w="1417373"/>
+                <a:gridCol w="1417373"/>
+                <a:gridCol w="1417373"/>
+                <a:gridCol w="1486976"/>
+                <a:gridCol w="1347770"/>
+              </a:tblGrid>
+              <a:tr h="370840">
+                <a:tc>
+                  <a:txBody>
+                    <a:bodyPr/>
+                    <a:lstStyle/>
+                    <a:p>
+                      <a:pPr algn="ctr"/>
+                      <a:r>
+                        <a:rPr lang="en-US" sz="1650" dirty="0" smtClean="0"/>
+                        <a:t>Minimum</a:t>
+                      </a:r>
+                      <a:endParaRPr lang="en-US" sz="1650" dirty="0"/>
+                    </a:p>
+                  </a:txBody>
+                  <a:tcPr/>
+                </a:tc>
+                <a:tc>
+                  <a:txBody>
+                    <a:bodyPr/>
+                    <a:lstStyle/>
+                    <a:p>
+                      <a:pPr algn="ctr"/>
+                      <a:r>
+                        <a:rPr lang="en-US" sz="1650" dirty="0" smtClean="0"/>
+                        <a:t>1</a:t>
+                      </a:r>
+                      <a:r>
+                        <a:rPr lang="en-US" sz="1650" baseline="30000" dirty="0" smtClean="0"/>
+                        <a:t>st</a:t>
+                      </a:r>
+                      <a:r>
+                        <a:rPr lang="en-US" sz="1650" dirty="0" smtClean="0"/>
+                        <a:t> Quartile</a:t>
+                      </a:r>
+                      <a:endParaRPr lang="en-US" sz="1650" dirty="0"/>
+                    </a:p>
+                  </a:txBody>
+                  <a:tcPr/>
+                </a:tc>
+                <a:tc>
+                  <a:txBody>
+                    <a:bodyPr/>
+                    <a:lstStyle/>
+                    <a:p>
+                      <a:pPr algn="ctr"/>
+                      <a:r>
+                        <a:rPr lang="en-US" sz="1650" dirty="0" smtClean="0"/>
+                        <a:t>Median</a:t>
+                      </a:r>
+                      <a:endParaRPr lang="en-US" sz="1650" dirty="0"/>
+                    </a:p>
+                  </a:txBody>
+                  <a:tcPr/>
+                </a:tc>
+                <a:tc>
+                  <a:txBody>
+                    <a:bodyPr/>
+                    <a:lstStyle/>
+                    <a:p>
+                      <a:pPr algn="ctr"/>
+                      <a:r>
+                        <a:rPr lang="en-US" sz="1650" dirty="0" smtClean="0"/>
+                        <a:t>Mean</a:t>
+                      </a:r>
+                      <a:endParaRPr lang="en-US" sz="1650" dirty="0"/>
+                    </a:p>
+                  </a:txBody>
+                  <a:tcPr/>
+                </a:tc>
+                <a:tc>
+                  <a:txBody>
+                    <a:bodyPr/>
+                    <a:lstStyle/>
+                    <a:p>
+                      <a:pPr algn="ctr"/>
+                      <a:r>
+                        <a:rPr lang="en-US" sz="1650" dirty="0" smtClean="0"/>
+                        <a:t>3</a:t>
+                      </a:r>
+                      <a:r>
+                        <a:rPr lang="en-US" sz="1650" baseline="30000" dirty="0" smtClean="0"/>
+                        <a:t>rd</a:t>
+                      </a:r>
+                      <a:r>
+                        <a:rPr lang="en-US" sz="1650" dirty="0" smtClean="0"/>
+                        <a:t> Quartile</a:t>
+                      </a:r>
+                      <a:endParaRPr lang="en-US" sz="1650" dirty="0"/>
+                    </a:p>
+                  </a:txBody>
+                  <a:tcPr/>
+                </a:tc>
+                <a:tc>
+                  <a:txBody>
+                    <a:bodyPr/>
+                    <a:lstStyle/>
+                    <a:p>
+                      <a:pPr algn="ctr"/>
+                      <a:r>
+                        <a:rPr lang="en-US" sz="1650" dirty="0" smtClean="0"/>
+                        <a:t>Maximum</a:t>
+                      </a:r>
+                      <a:endParaRPr lang="en-US" sz="1650" dirty="0"/>
+                    </a:p>
+                  </a:txBody>
+                  <a:tcPr/>
+                </a:tc>
+              </a:tr>
+              <a:tr h="370840">
+                <a:tc>
+                  <a:txBody>
+                    <a:bodyPr/>
+                    <a:lstStyle/>
+                    <a:p>
+                      <a:r>
+                        <a:rPr lang="en-US" dirty="0" smtClean="0"/>
+                        <a:t>0.001</a:t>
+                      </a:r>
+                      <a:endParaRPr lang="en-US" dirty="0"/>
+                    </a:p>
+                  </a:txBody>
+                  <a:tcPr/>
+                </a:tc>
+                <a:tc>
+                  <a:txBody>
+                    <a:bodyPr/>
+                    <a:lstStyle/>
+                    <a:p>
+                      <a:r>
+                        <a:rPr lang="en-US" dirty="0" smtClean="0"/>
+                        <a:t>0.05</a:t>
+                      </a:r>
+                      <a:endParaRPr lang="en-US" dirty="0"/>
+                    </a:p>
+                  </a:txBody>
+                  <a:tcPr/>
+                </a:tc>
+                <a:tc>
+                  <a:txBody>
+                    <a:bodyPr/>
+                    <a:lstStyle/>
+                    <a:p>
+                      <a:r>
+                        <a:rPr lang="en-US" dirty="0" smtClean="0"/>
+                        <a:t>0.056</a:t>
+                      </a:r>
+                      <a:endParaRPr lang="en-US" dirty="0"/>
+                    </a:p>
+                  </a:txBody>
+                  <a:tcPr/>
+                </a:tc>
+                <a:tc>
+                  <a:txBody>
+                    <a:bodyPr/>
+                    <a:lstStyle/>
+                    <a:p>
+                      <a:r>
+                        <a:rPr lang="en-US" dirty="0" smtClean="0"/>
+                        <a:t>0.059</a:t>
+                      </a:r>
+                      <a:endParaRPr lang="en-US" dirty="0"/>
+                    </a:p>
+                  </a:txBody>
+                  <a:tcPr/>
+                </a:tc>
+                <a:tc>
+                  <a:txBody>
+                    <a:bodyPr/>
+                    <a:lstStyle/>
+                    <a:p>
+                      <a:r>
+                        <a:rPr lang="en-US" dirty="0" smtClean="0"/>
+                        <a:t>0.067</a:t>
+                      </a:r>
+                      <a:endParaRPr lang="en-US" dirty="0"/>
+                    </a:p>
+                  </a:txBody>
+                  <a:tcPr/>
+                </a:tc>
+                <a:tc>
+                  <a:txBody>
+                    <a:bodyPr/>
+                    <a:lstStyle/>
+                    <a:p>
+                      <a:r>
+                        <a:rPr lang="en-US" dirty="0" smtClean="0"/>
+                        <a:t>0.128</a:t>
+                      </a:r>
+                      <a:endParaRPr lang="en-US" dirty="0"/>
+                    </a:p>
+                  </a:txBody>
+                  <a:tcPr/>
+                </a:tc>
+              </a:tr>
+            </a:tbl>
+          </a:graphicData>
+        </a:graphic>
+      </p:graphicFrame>
+      <p:pic>
+        <p:nvPicPr>
+          <p:cNvPr id="5" name="Picture 4"/>
+          <p:cNvPicPr>
+            <a:picLocks noChangeAspect="1"/>
+          </p:cNvPicPr>
+          <p:nvPr/>
+        </p:nvPicPr>
+        <p:blipFill>
+          <a:blip r:embed="rId2">
+            <a:extLst>
+              <a:ext uri="{28A0092B-C50C-407E-A947-70E740481C1C}">
+                <a14:useLocalDpi xmlns:a14="http://schemas.microsoft.com/office/drawing/2010/main" val="0"/>
+              </a:ext>
+            </a:extLst>
+          </a:blip>
+          <a:stretch>
+            <a:fillRect/>
+          </a:stretch>
+        </p:blipFill>
+        <p:spPr>
+          <a:xfrm>
+            <a:off x="1676400" y="2971800"/>
+            <a:ext cx="5816600" cy="3079376"/>
+          </a:xfrm>
+          <a:prstGeom prst="rect">
+            <a:avLst/>
+          </a:prstGeom>
+          <a:ln w="15875">
+            <a:solidFill>
+              <a:schemeClr val="tx1"/>
+            </a:solidFill>
+          </a:ln>
+        </p:spPr>
+      </p:pic>
+    </p:spTree>
+    <p:extLst>
+      <p:ext uri="{BB962C8B-B14F-4D97-AF65-F5344CB8AC3E}">
+        <p14:creationId xmlns:p14="http://schemas.microsoft.com/office/powerpoint/2010/main" val="1873134265"/>
+      </p:ext>
+    </p:extLst>
+  </p:cSld>
+  <p:clrMapOvr>
+    <a:masterClrMapping/>
+  </p:clrMapOvr>
+</p:sld>
+</file>
+
+<file path=ppt/slides/slide13.xml><?xml version="1.0" encoding="utf-8"?>
+<p:sld xmlns:a="http://schemas.openxmlformats.org/drawingml/2006/main" xmlns:r="http://schemas.openxmlformats.org/officeDocument/2006/relationships" xmlns:p="http://schemas.openxmlformats.org/presentationml/2006/main">
+  <p:cSld>
+    <p:spTree>
+      <p:nvGrpSpPr>
+        <p:cNvPr id="1" name=""/>
+        <p:cNvGrpSpPr/>
+        <p:nvPr/>
+      </p:nvGrpSpPr>
+      <p:grpSpPr>
+        <a:xfrm>
+          <a:off x="0" y="0"/>
+          <a:ext cx="0" cy="0"/>
+          <a:chOff x="0" y="0"/>
+          <a:chExt cx="0" cy="0"/>
+        </a:xfrm>
+      </p:grpSpPr>
+      <p:sp>
+        <p:nvSpPr>
+          <p:cNvPr id="2" name="Title 1"/>
+          <p:cNvSpPr>
+            <a:spLocks noGrp="1"/>
+          </p:cNvSpPr>
+          <p:nvPr>
+            <p:ph type="title"/>
+          </p:nvPr>
+        </p:nvSpPr>
+        <p:spPr/>
+        <p:txBody>
+          <a:bodyPr/>
+          <a:lstStyle/>
+          <a:p>
+            <a:r>
+              <a:rPr lang="en-US" dirty="0" smtClean="0"/>
+              <a:t>IBU</a:t>
+            </a:r>
+            <a:endParaRPr lang="en-US" dirty="0"/>
+          </a:p>
+        </p:txBody>
+      </p:sp>
+      <p:graphicFrame>
+        <p:nvGraphicFramePr>
+          <p:cNvPr id="4" name="Content Placeholder 3"/>
+          <p:cNvGraphicFramePr>
+            <a:graphicFrameLocks/>
+          </p:cNvGraphicFramePr>
+          <p:nvPr>
+            <p:extLst>
+              <p:ext uri="{D42A27DB-BD31-4B8C-83A1-F6EECF244321}">
+                <p14:modId xmlns:p14="http://schemas.microsoft.com/office/powerpoint/2010/main" val="718860092"/>
+              </p:ext>
+            </p:extLst>
+          </p:nvPr>
+        </p:nvGraphicFramePr>
+        <p:xfrm>
+          <a:off x="301434" y="1696720"/>
+          <a:ext cx="8504238" cy="741680"/>
+        </p:xfrm>
+        <a:graphic>
+          <a:graphicData uri="http://schemas.openxmlformats.org/drawingml/2006/table">
+            <a:tbl>
+              <a:tblPr firstRow="1" bandRow="1">
+                <a:tableStyleId>{5C22544A-7EE6-4342-B048-85BDC9FD1C3A}</a:tableStyleId>
+              </a:tblPr>
+              <a:tblGrid>
+                <a:gridCol w="1417373"/>
+                <a:gridCol w="1417373"/>
+                <a:gridCol w="1417373"/>
+                <a:gridCol w="1417373"/>
+                <a:gridCol w="1486976"/>
+                <a:gridCol w="1347770"/>
+              </a:tblGrid>
+              <a:tr h="370840">
+                <a:tc>
+                  <a:txBody>
+                    <a:bodyPr/>
+                    <a:lstStyle/>
+                    <a:p>
+                      <a:pPr algn="ctr"/>
+                      <a:r>
+                        <a:rPr lang="en-US" sz="1650" dirty="0" smtClean="0"/>
+                        <a:t>Minimum</a:t>
+                      </a:r>
+                      <a:endParaRPr lang="en-US" sz="1650" dirty="0"/>
+                    </a:p>
+                  </a:txBody>
+                  <a:tcPr/>
+                </a:tc>
+                <a:tc>
+                  <a:txBody>
+                    <a:bodyPr/>
+                    <a:lstStyle/>
+                    <a:p>
+                      <a:pPr algn="ctr"/>
+                      <a:r>
+                        <a:rPr lang="en-US" sz="1650" dirty="0" smtClean="0"/>
+                        <a:t>1</a:t>
+                      </a:r>
+                      <a:r>
+                        <a:rPr lang="en-US" sz="1650" baseline="30000" dirty="0" smtClean="0"/>
+                        <a:t>st</a:t>
+                      </a:r>
+                      <a:r>
+                        <a:rPr lang="en-US" sz="1650" dirty="0" smtClean="0"/>
+                        <a:t> Quartile</a:t>
+                      </a:r>
+                      <a:endParaRPr lang="en-US" sz="1650" dirty="0"/>
+                    </a:p>
+                  </a:txBody>
+                  <a:tcPr/>
+                </a:tc>
+                <a:tc>
+                  <a:txBody>
+                    <a:bodyPr/>
+                    <a:lstStyle/>
+                    <a:p>
+                      <a:pPr algn="ctr"/>
+                      <a:r>
+                        <a:rPr lang="en-US" sz="1650" dirty="0" smtClean="0"/>
+                        <a:t>Median</a:t>
+                      </a:r>
+                      <a:endParaRPr lang="en-US" sz="1650" dirty="0"/>
+                    </a:p>
+                  </a:txBody>
+                  <a:tcPr/>
+                </a:tc>
+                <a:tc>
+                  <a:txBody>
+                    <a:bodyPr/>
+                    <a:lstStyle/>
+                    <a:p>
+                      <a:pPr algn="ctr"/>
+                      <a:r>
+                        <a:rPr lang="en-US" sz="1650" dirty="0" smtClean="0"/>
+                        <a:t>Mean</a:t>
+                      </a:r>
+                      <a:endParaRPr lang="en-US" sz="1650" dirty="0"/>
+                    </a:p>
+                  </a:txBody>
+                  <a:tcPr/>
+                </a:tc>
+                <a:tc>
+                  <a:txBody>
+                    <a:bodyPr/>
+                    <a:lstStyle/>
+                    <a:p>
+                      <a:pPr algn="ctr"/>
+                      <a:r>
+                        <a:rPr lang="en-US" sz="1650" dirty="0" smtClean="0"/>
+                        <a:t>3</a:t>
+                      </a:r>
+                      <a:r>
+                        <a:rPr lang="en-US" sz="1650" baseline="30000" dirty="0" smtClean="0"/>
+                        <a:t>rd</a:t>
+                      </a:r>
+                      <a:r>
+                        <a:rPr lang="en-US" sz="1650" dirty="0" smtClean="0"/>
+                        <a:t> Quartile</a:t>
+                      </a:r>
+                      <a:endParaRPr lang="en-US" sz="1650" dirty="0"/>
+                    </a:p>
+                  </a:txBody>
+                  <a:tcPr/>
+                </a:tc>
+                <a:tc>
+                  <a:txBody>
+                    <a:bodyPr/>
+                    <a:lstStyle/>
+                    <a:p>
+                      <a:pPr algn="ctr"/>
+                      <a:r>
+                        <a:rPr lang="en-US" sz="1650" dirty="0" smtClean="0"/>
+                        <a:t>Maximum</a:t>
+                      </a:r>
+                      <a:endParaRPr lang="en-US" sz="1650" dirty="0"/>
+                    </a:p>
+                  </a:txBody>
+                  <a:tcPr/>
+                </a:tc>
+              </a:tr>
+              <a:tr h="370840">
+                <a:tc>
+                  <a:txBody>
+                    <a:bodyPr/>
+                    <a:lstStyle/>
+                    <a:p>
+                      <a:r>
+                        <a:rPr lang="en-US" dirty="0" smtClean="0"/>
+                        <a:t>4</a:t>
+                      </a:r>
+                      <a:endParaRPr lang="en-US" dirty="0"/>
+                    </a:p>
+                  </a:txBody>
+                  <a:tcPr/>
+                </a:tc>
+                <a:tc>
+                  <a:txBody>
+                    <a:bodyPr/>
+                    <a:lstStyle/>
+                    <a:p>
+                      <a:r>
+                        <a:rPr lang="en-US" dirty="0" smtClean="0"/>
+                        <a:t>21</a:t>
+                      </a:r>
+                      <a:endParaRPr lang="en-US" dirty="0"/>
+                    </a:p>
+                  </a:txBody>
+                  <a:tcPr/>
+                </a:tc>
+                <a:tc>
+                  <a:txBody>
+                    <a:bodyPr/>
+                    <a:lstStyle/>
+                    <a:p>
+                      <a:r>
+                        <a:rPr lang="en-US" dirty="0" smtClean="0"/>
+                        <a:t>35</a:t>
+                      </a:r>
+                      <a:endParaRPr lang="en-US" dirty="0"/>
+                    </a:p>
+                  </a:txBody>
+                  <a:tcPr/>
+                </a:tc>
+                <a:tc>
+                  <a:txBody>
+                    <a:bodyPr/>
+                    <a:lstStyle/>
+                    <a:p>
+                      <a:r>
+                        <a:rPr lang="en-US" dirty="0" smtClean="0"/>
+                        <a:t>42.71</a:t>
+                      </a:r>
+                      <a:endParaRPr lang="en-US" dirty="0"/>
+                    </a:p>
+                  </a:txBody>
+                  <a:tcPr/>
+                </a:tc>
+                <a:tc>
+                  <a:txBody>
+                    <a:bodyPr/>
+                    <a:lstStyle/>
+                    <a:p>
+                      <a:r>
+                        <a:rPr lang="en-US" dirty="0" smtClean="0"/>
+                        <a:t>64</a:t>
+                      </a:r>
+                      <a:endParaRPr lang="en-US" dirty="0"/>
+                    </a:p>
+                  </a:txBody>
+                  <a:tcPr/>
+                </a:tc>
+                <a:tc>
+                  <a:txBody>
+                    <a:bodyPr/>
+                    <a:lstStyle/>
+                    <a:p>
+                      <a:r>
+                        <a:rPr lang="en-US" dirty="0" smtClean="0"/>
+                        <a:t>138</a:t>
+                      </a:r>
+                      <a:endParaRPr lang="en-US" dirty="0"/>
+                    </a:p>
+                  </a:txBody>
+                  <a:tcPr/>
+                </a:tc>
+              </a:tr>
+            </a:tbl>
+          </a:graphicData>
+        </a:graphic>
+      </p:graphicFrame>
+      <p:pic>
+        <p:nvPicPr>
+          <p:cNvPr id="5" name="Picture 4"/>
+          <p:cNvPicPr>
+            <a:picLocks noChangeAspect="1"/>
+          </p:cNvPicPr>
+          <p:nvPr/>
+        </p:nvPicPr>
+        <p:blipFill>
+          <a:blip r:embed="rId2">
+            <a:extLst>
+              <a:ext uri="{28A0092B-C50C-407E-A947-70E740481C1C}">
+                <a14:useLocalDpi xmlns:a14="http://schemas.microsoft.com/office/drawing/2010/main" val="0"/>
+              </a:ext>
+            </a:extLst>
+          </a:blip>
+          <a:stretch>
+            <a:fillRect/>
+          </a:stretch>
+        </p:blipFill>
+        <p:spPr>
+          <a:xfrm>
+            <a:off x="1524000" y="2819400"/>
+            <a:ext cx="6010113" cy="3124200"/>
+          </a:xfrm>
+          <a:prstGeom prst="rect">
+            <a:avLst/>
+          </a:prstGeom>
+          <a:ln w="15875">
+            <a:solidFill>
+              <a:schemeClr val="tx1"/>
+            </a:solidFill>
+          </a:ln>
+        </p:spPr>
+      </p:pic>
+    </p:spTree>
+    <p:extLst>
+      <p:ext uri="{BB962C8B-B14F-4D97-AF65-F5344CB8AC3E}">
+        <p14:creationId xmlns:p14="http://schemas.microsoft.com/office/powerpoint/2010/main" val="1952668922"/>
+      </p:ext>
+    </p:extLst>
+  </p:cSld>
+  <p:clrMapOvr>
+    <a:masterClrMapping/>
+  </p:clrMapOvr>
+</p:sld>
+</file>
+
+<file path=ppt/slides/slide14.xml><?xml version="1.0" encoding="utf-8"?>
+<p:sld xmlns:a="http://schemas.openxmlformats.org/drawingml/2006/main" xmlns:r="http://schemas.openxmlformats.org/officeDocument/2006/relationships" xmlns:p="http://schemas.openxmlformats.org/presentationml/2006/main">
+  <p:cSld>
+    <p:spTree>
+      <p:nvGrpSpPr>
+        <p:cNvPr id="1" name=""/>
+        <p:cNvGrpSpPr/>
+        <p:nvPr/>
+      </p:nvGrpSpPr>
+      <p:grpSpPr>
+        <a:xfrm>
+          <a:off x="0" y="0"/>
+          <a:ext cx="0" cy="0"/>
+          <a:chOff x="0" y="0"/>
+          <a:chExt cx="0" cy="0"/>
+        </a:xfrm>
+      </p:grpSpPr>
+      <p:sp>
+        <p:nvSpPr>
+          <p:cNvPr id="2" name="Title 1"/>
+          <p:cNvSpPr>
+            <a:spLocks noGrp="1"/>
+          </p:cNvSpPr>
+          <p:nvPr>
+            <p:ph type="title"/>
+          </p:nvPr>
+        </p:nvSpPr>
+        <p:spPr/>
+        <p:txBody>
+          <a:bodyPr/>
+          <a:lstStyle/>
+          <a:p>
+            <a:r>
+              <a:rPr lang="en-US" dirty="0" smtClean="0"/>
+              <a:t>ABV vs. IBU</a:t>
+            </a:r>
+            <a:endParaRPr lang="en-US" dirty="0"/>
+          </a:p>
+        </p:txBody>
+      </p:sp>
+      <p:pic>
+        <p:nvPicPr>
+          <p:cNvPr id="4" name="Content Placeholder 3"/>
+          <p:cNvPicPr>
+            <a:picLocks noGrp="1" noChangeAspect="1"/>
+          </p:cNvPicPr>
+          <p:nvPr>
+            <p:ph sz="quarter" idx="1"/>
+          </p:nvPr>
+        </p:nvPicPr>
+        <p:blipFill>
+          <a:blip r:embed="rId2">
+            <a:extLst>
+              <a:ext uri="{28A0092B-C50C-407E-A947-70E740481C1C}">
+                <a14:useLocalDpi xmlns:a14="http://schemas.microsoft.com/office/drawing/2010/main" val="0"/>
+              </a:ext>
+            </a:extLst>
+          </a:blip>
+          <a:stretch>
+            <a:fillRect/>
+          </a:stretch>
+        </p:blipFill>
+        <p:spPr>
+          <a:xfrm>
+            <a:off x="1854059" y="3124200"/>
+            <a:ext cx="5308741" cy="3197225"/>
+          </a:xfrm>
+          <a:ln w="15875">
+            <a:solidFill>
+              <a:schemeClr val="tx1"/>
+            </a:solidFill>
+          </a:ln>
+        </p:spPr>
+      </p:pic>
+      <p:sp>
+        <p:nvSpPr>
+          <p:cNvPr id="5" name="TextBox 4"/>
+          <p:cNvSpPr txBox="1"/>
+          <p:nvPr/>
+        </p:nvSpPr>
+        <p:spPr>
+          <a:xfrm>
+            <a:off x="301752" y="1695271"/>
+            <a:ext cx="8534400" cy="1200329"/>
+          </a:xfrm>
+          <a:prstGeom prst="rect">
+            <a:avLst/>
+          </a:prstGeom>
+          <a:solidFill>
+            <a:schemeClr val="bg1"/>
+          </a:solidFill>
+          <a:ln w="15875">
+            <a:solidFill>
+              <a:schemeClr val="tx1"/>
+            </a:solidFill>
+          </a:ln>
+        </p:spPr>
+        <p:txBody>
+          <a:bodyPr wrap="square" rtlCol="0">
+            <a:spAutoFit/>
+          </a:bodyPr>
+          <a:lstStyle/>
+          <a:p>
+            <a:pPr marL="285750" indent="-285750">
+              <a:buFont typeface="Arial" charset="0"/>
+              <a:buChar char="•"/>
+            </a:pPr>
+            <a:r>
+              <a:rPr lang="en-US" dirty="0" smtClean="0"/>
+              <a:t>Positive, linear relationship between ABV and IBU</a:t>
+            </a:r>
+          </a:p>
+          <a:p>
+            <a:pPr marL="285750" indent="-285750">
+              <a:buFont typeface="Arial" charset="0"/>
+              <a:buChar char="•"/>
+            </a:pPr>
+            <a:r>
+              <a:rPr lang="en-US" dirty="0" smtClean="0"/>
+              <a:t>Fanning shape in scatterplot indicates less variation in IBU for beers with lower alcohol content</a:t>
+            </a:r>
+          </a:p>
+          <a:p>
+            <a:pPr marL="285750" indent="-285750">
+              <a:buFont typeface="Arial" charset="0"/>
+              <a:buChar char="•"/>
+            </a:pPr>
+            <a:r>
+              <a:rPr lang="en-US" dirty="0" smtClean="0"/>
+              <a:t>Bitterness varies more greatly for beers with higher alcohol content</a:t>
+            </a:r>
+            <a:endParaRPr lang="en-US" dirty="0"/>
+          </a:p>
+        </p:txBody>
+      </p:sp>
+    </p:spTree>
+    <p:extLst>
+      <p:ext uri="{BB962C8B-B14F-4D97-AF65-F5344CB8AC3E}">
+        <p14:creationId xmlns:p14="http://schemas.microsoft.com/office/powerpoint/2010/main" val="1628537144"/>
+      </p:ext>
+    </p:extLst>
+  </p:cSld>
+  <p:clrMapOvr>
+    <a:masterClrMapping/>
+  </p:clrMapOvr>
+</p:sld>
+</file>
+
+<file path=ppt/slides/slide15.xml><?xml version="1.0" encoding="utf-8"?>
+<p:sld xmlns:a="http://schemas.openxmlformats.org/drawingml/2006/main" xmlns:r="http://schemas.openxmlformats.org/officeDocument/2006/relationships" xmlns:p="http://schemas.openxmlformats.org/presentationml/2006/main">
+  <p:cSld>
+    <p:spTree>
+      <p:nvGrpSpPr>
+        <p:cNvPr id="1" name=""/>
+        <p:cNvGrpSpPr/>
+        <p:nvPr/>
+      </p:nvGrpSpPr>
+      <p:grpSpPr>
+        <a:xfrm>
+          <a:off x="0" y="0"/>
+          <a:ext cx="0" cy="0"/>
+          <a:chOff x="0" y="0"/>
+          <a:chExt cx="0" cy="0"/>
+        </a:xfrm>
+      </p:grpSpPr>
+      <p:sp>
+        <p:nvSpPr>
+          <p:cNvPr id="2" name="Title 1"/>
+          <p:cNvSpPr>
+            <a:spLocks noGrp="1"/>
+          </p:cNvSpPr>
+          <p:nvPr>
+            <p:ph type="title"/>
+          </p:nvPr>
+        </p:nvSpPr>
+        <p:spPr/>
+        <p:txBody>
+          <a:bodyPr/>
+          <a:lstStyle/>
+          <a:p>
+            <a:r>
+              <a:rPr lang="en-US" dirty="0" smtClean="0"/>
+              <a:t>ABV vs. IBU</a:t>
+            </a:r>
+            <a:endParaRPr lang="en-US" dirty="0"/>
+          </a:p>
+        </p:txBody>
+      </p:sp>
+      <p:pic>
+        <p:nvPicPr>
+          <p:cNvPr id="4" name="Content Placeholder 3"/>
+          <p:cNvPicPr>
+            <a:picLocks noGrp="1" noChangeAspect="1"/>
+          </p:cNvPicPr>
+          <p:nvPr>
+            <p:ph sz="quarter" idx="1"/>
+          </p:nvPr>
+        </p:nvPicPr>
+        <p:blipFill>
+          <a:blip r:embed="rId2">
+            <a:extLst>
+              <a:ext uri="{28A0092B-C50C-407E-A947-70E740481C1C}">
+                <a14:useLocalDpi xmlns:a14="http://schemas.microsoft.com/office/drawing/2010/main" val="0"/>
+              </a:ext>
+            </a:extLst>
+          </a:blip>
+          <a:stretch>
+            <a:fillRect/>
+          </a:stretch>
+        </p:blipFill>
+        <p:spPr>
+          <a:xfrm>
+            <a:off x="1752600" y="3038448"/>
+            <a:ext cx="5562600" cy="3362352"/>
+          </a:xfrm>
+          <a:ln w="15875">
+            <a:solidFill>
+              <a:schemeClr val="tx1"/>
+            </a:solidFill>
+          </a:ln>
+        </p:spPr>
+      </p:pic>
+      <p:sp>
+        <p:nvSpPr>
+          <p:cNvPr id="5" name="TextBox 4"/>
+          <p:cNvSpPr txBox="1"/>
+          <p:nvPr/>
+        </p:nvSpPr>
+        <p:spPr>
+          <a:xfrm>
+            <a:off x="301752" y="1619071"/>
+            <a:ext cx="8534400" cy="923330"/>
+          </a:xfrm>
+          <a:prstGeom prst="rect">
+            <a:avLst/>
+          </a:prstGeom>
+          <a:solidFill>
+            <a:schemeClr val="bg1"/>
+          </a:solidFill>
+          <a:ln w="15875">
+            <a:solidFill>
+              <a:schemeClr val="tx1"/>
+            </a:solidFill>
+          </a:ln>
+        </p:spPr>
+        <p:txBody>
+          <a:bodyPr wrap="square" rtlCol="0">
+            <a:spAutoFit/>
+          </a:bodyPr>
+          <a:lstStyle/>
+          <a:p>
+            <a:pPr marL="285750" indent="-285750">
+              <a:buFont typeface="Arial" charset="0"/>
+              <a:buChar char="•"/>
+            </a:pPr>
+            <a:r>
+              <a:rPr lang="en-US" dirty="0" smtClean="0"/>
+              <a:t>Random sample of 250 beers</a:t>
+            </a:r>
+          </a:p>
+          <a:p>
+            <a:pPr marL="285750" indent="-285750">
+              <a:buFont typeface="Arial" charset="0"/>
+              <a:buChar char="•"/>
+            </a:pPr>
+            <a:r>
+              <a:rPr lang="en-US" dirty="0" smtClean="0"/>
+              <a:t>Line segments show distance between ABV*1000 and IBU</a:t>
+            </a:r>
+          </a:p>
+          <a:p>
+            <a:pPr marL="285750" indent="-285750">
+              <a:buFont typeface="Arial" charset="0"/>
+              <a:buChar char="•"/>
+            </a:pPr>
+            <a:r>
+              <a:rPr lang="en-US" dirty="0" smtClean="0"/>
+              <a:t>Not a clear relationship</a:t>
+            </a:r>
+            <a:endParaRPr lang="en-US" dirty="0"/>
+          </a:p>
+        </p:txBody>
+      </p:sp>
+    </p:spTree>
+    <p:extLst>
+      <p:ext uri="{BB962C8B-B14F-4D97-AF65-F5344CB8AC3E}">
+        <p14:creationId xmlns:p14="http://schemas.microsoft.com/office/powerpoint/2010/main" val="1983824101"/>
+      </p:ext>
+    </p:extLst>
+  </p:cSld>
+  <p:clrMapOvr>
+    <a:masterClrMapping/>
+  </p:clrMapOvr>
+</p:sld>
+</file>
+
+<file path=ppt/slides/slide16.xml><?xml version="1.0" encoding="utf-8"?>
+<p:sld xmlns:a="http://schemas.openxmlformats.org/drawingml/2006/main" xmlns:r="http://schemas.openxmlformats.org/officeDocument/2006/relationships" xmlns:p="http://schemas.openxmlformats.org/presentationml/2006/main">
+  <p:cSld>
+    <p:spTree>
+      <p:nvGrpSpPr>
+        <p:cNvPr id="1" name=""/>
+        <p:cNvGrpSpPr/>
+        <p:nvPr/>
+      </p:nvGrpSpPr>
+      <p:grpSpPr>
+        <a:xfrm>
+          <a:off x="0" y="0"/>
+          <a:ext cx="0" cy="0"/>
+          <a:chOff x="0" y="0"/>
+          <a:chExt cx="0" cy="0"/>
+        </a:xfrm>
+      </p:grpSpPr>
+      <p:sp>
+        <p:nvSpPr>
+          <p:cNvPr id="2" name="Title 1"/>
+          <p:cNvSpPr>
+            <a:spLocks noGrp="1"/>
+          </p:cNvSpPr>
+          <p:nvPr>
+            <p:ph type="title"/>
+          </p:nvPr>
+        </p:nvSpPr>
+        <p:spPr/>
+        <p:txBody>
+          <a:bodyPr/>
+          <a:lstStyle/>
+          <a:p>
+            <a:r>
+              <a:rPr lang="en-US" dirty="0" smtClean="0"/>
+              <a:t>Conclusions</a:t>
+            </a:r>
+            <a:endParaRPr lang="en-US" dirty="0"/>
+          </a:p>
+        </p:txBody>
+      </p:sp>
+      <p:sp>
+        <p:nvSpPr>
+          <p:cNvPr id="3" name="Content Placeholder 2"/>
+          <p:cNvSpPr>
+            <a:spLocks noGrp="1"/>
+          </p:cNvSpPr>
+          <p:nvPr>
+            <p:ph sz="quarter" idx="1"/>
+          </p:nvPr>
+        </p:nvSpPr>
+        <p:spPr/>
+        <p:txBody>
+          <a:bodyPr/>
+          <a:lstStyle/>
+          <a:p>
+            <a:endParaRPr lang="en-US"/>
+          </a:p>
+        </p:txBody>
+      </p:sp>
+    </p:spTree>
+    <p:extLst>
+      <p:ext uri="{BB962C8B-B14F-4D97-AF65-F5344CB8AC3E}">
+        <p14:creationId xmlns:p14="http://schemas.microsoft.com/office/powerpoint/2010/main" val="106553083"/>
+      </p:ext>
+    </p:extLst>
+  </p:cSld>
+  <p:clrMapOvr>
+    <a:masterClrMapping/>
+  </p:clrMapOvr>
+</p:sld>
+</file>
+
 <file path=ppt/slides/slide2.xml><?xml version="1.0" encoding="utf-8"?>
 <p:sld xmlns:a="http://schemas.openxmlformats.org/drawingml/2006/main" xmlns:r="http://schemas.openxmlformats.org/officeDocument/2006/relationships" xmlns:p="http://schemas.openxmlformats.org/presentationml/2006/main">
   <p:cSld>
@@ -8614,6 +9906,128 @@
     <p:extLst>
       <p:ext uri="{BB962C8B-B14F-4D97-AF65-F5344CB8AC3E}">
         <p14:creationId xmlns:p14="http://schemas.microsoft.com/office/powerpoint/2010/main" val="4264739150"/>
+      </p:ext>
+    </p:extLst>
+  </p:cSld>
+  <p:clrMapOvr>
+    <a:masterClrMapping/>
+  </p:clrMapOvr>
+</p:sld>
+</file>
+
+<file path=ppt/slides/slide9.xml><?xml version="1.0" encoding="utf-8"?>
+<p:sld xmlns:a="http://schemas.openxmlformats.org/drawingml/2006/main" xmlns:r="http://schemas.openxmlformats.org/officeDocument/2006/relationships" xmlns:p="http://schemas.openxmlformats.org/presentationml/2006/main">
+  <p:cSld>
+    <p:spTree>
+      <p:nvGrpSpPr>
+        <p:cNvPr id="1" name=""/>
+        <p:cNvGrpSpPr/>
+        <p:nvPr/>
+      </p:nvGrpSpPr>
+      <p:grpSpPr>
+        <a:xfrm>
+          <a:off x="0" y="0"/>
+          <a:ext cx="0" cy="0"/>
+          <a:chOff x="0" y="0"/>
+          <a:chExt cx="0" cy="0"/>
+        </a:xfrm>
+      </p:grpSpPr>
+      <p:sp>
+        <p:nvSpPr>
+          <p:cNvPr id="2" name="Title 1"/>
+          <p:cNvSpPr>
+            <a:spLocks noGrp="1"/>
+          </p:cNvSpPr>
+          <p:nvPr>
+            <p:ph type="title"/>
+          </p:nvPr>
+        </p:nvSpPr>
+        <p:spPr/>
+        <p:txBody>
+          <a:bodyPr/>
+          <a:lstStyle/>
+          <a:p>
+            <a:r>
+              <a:rPr lang="en-US" dirty="0" smtClean="0"/>
+              <a:t>Median ABV by State</a:t>
+            </a:r>
+            <a:endParaRPr lang="en-US" dirty="0"/>
+          </a:p>
+        </p:txBody>
+      </p:sp>
+      <p:pic>
+        <p:nvPicPr>
+          <p:cNvPr id="4" name="Content Placeholder 3"/>
+          <p:cNvPicPr>
+            <a:picLocks noGrp="1" noChangeAspect="1"/>
+          </p:cNvPicPr>
+          <p:nvPr>
+            <p:ph sz="quarter" idx="1"/>
+          </p:nvPr>
+        </p:nvPicPr>
+        <p:blipFill>
+          <a:blip r:embed="rId2">
+            <a:extLst>
+              <a:ext uri="{28A0092B-C50C-407E-A947-70E740481C1C}">
+                <a14:useLocalDpi xmlns:a14="http://schemas.microsoft.com/office/drawing/2010/main" val="0"/>
+              </a:ext>
+            </a:extLst>
+          </a:blip>
+          <a:stretch>
+            <a:fillRect/>
+          </a:stretch>
+        </p:blipFill>
+        <p:spPr>
+          <a:xfrm>
+            <a:off x="287897" y="1676400"/>
+            <a:ext cx="6321365" cy="4724400"/>
+          </a:xfrm>
+          <a:ln w="12700">
+            <a:solidFill>
+              <a:schemeClr val="tx1"/>
+            </a:solidFill>
+          </a:ln>
+        </p:spPr>
+      </p:pic>
+      <p:pic>
+        <p:nvPicPr>
+          <p:cNvPr id="7" name="Picture 6"/>
+          <p:cNvPicPr>
+            <a:picLocks noChangeAspect="1"/>
+          </p:cNvPicPr>
+          <p:nvPr/>
+        </p:nvPicPr>
+        <p:blipFill>
+          <a:blip r:embed="rId3">
+            <a:extLst>
+              <a:ext uri="{28A0092B-C50C-407E-A947-70E740481C1C}">
+                <a14:useLocalDpi xmlns:a14="http://schemas.microsoft.com/office/drawing/2010/main" val="0"/>
+              </a:ext>
+            </a:extLst>
+          </a:blip>
+          <a:stretch>
+            <a:fillRect/>
+          </a:stretch>
+        </p:blipFill>
+        <p:spPr>
+          <a:xfrm>
+            <a:off x="7010400" y="3048000"/>
+            <a:ext cx="1623725" cy="898567"/>
+          </a:xfrm>
+          <a:prstGeom prst="rect">
+            <a:avLst/>
+          </a:prstGeom>
+          <a:ln w="15875">
+            <a:solidFill>
+              <a:schemeClr val="tx1"/>
+            </a:solidFill>
+          </a:ln>
+        </p:spPr>
+      </p:pic>
+    </p:spTree>
+    <p:extLst>
+      <p:ext uri="{BB962C8B-B14F-4D97-AF65-F5344CB8AC3E}">
+        <p14:creationId xmlns:p14="http://schemas.microsoft.com/office/powerpoint/2010/main" val="401388336"/>
       </p:ext>
     </p:extLst>
   </p:cSld>
